--- a/marketing/Alliance_Overview.pptx
+++ b/marketing/Alliance_Overview.pptx
@@ -6094,7 +6094,7 @@
                 <a:ea typeface="Calibri" pitchFamily="34" charset="-122"/>
                 <a:cs typeface="Calibri" pitchFamily="34" charset="-120"/>
               </a:rPr>
-              <a:t>Lee Harrison</a:t>
+              <a:t>Carrie Rotman</a:t>
             </a:r>
             <a:endParaRPr lang="en-US" sz="1600" dirty="0"/>
           </a:p>
@@ -6133,7 +6133,7 @@
                 <a:ea typeface="Calibri" pitchFamily="34" charset="-122"/>
                 <a:cs typeface="Calibri" pitchFamily="34" charset="-120"/>
               </a:rPr>
-              <a:t>M: 289-388-8399</a:t>
+              <a:t>O: 1-877-660-3660 ext. 235</a:t>
             </a:r>
             <a:endParaRPr lang="en-US" sz="1100" dirty="0"/>
           </a:p>
@@ -6172,7 +6172,7 @@
                 <a:ea typeface="Calibri" pitchFamily="34" charset="-122"/>
                 <a:cs typeface="Calibri" pitchFamily="34" charset="-120"/>
               </a:rPr>
-              <a:t>lee@allianceglobaladvisors.com</a:t>
+              <a:t>carrie@alliancefinancing.com</a:t>
             </a:r>
             <a:endParaRPr lang="en-US" sz="1100" dirty="0"/>
           </a:p>
@@ -6307,7 +6307,7 @@
                 <a:ea typeface="Calibri" pitchFamily="34" charset="-122"/>
                 <a:cs typeface="Calibri" pitchFamily="34" charset="-120"/>
               </a:rPr>
-              <a:t>O: 905-660-3660 ext 225   •   M: 416-569-2899</a:t>
+              <a:t>O: 1-877-660-3660 ext. 222   •   M: 416-569-2899</a:t>
             </a:r>
             <a:endParaRPr lang="en-US" sz="1100" dirty="0"/>
           </a:p>
@@ -6346,7 +6346,7 @@
                 <a:ea typeface="Calibri" pitchFamily="34" charset="-122"/>
                 <a:cs typeface="Calibri" pitchFamily="34" charset="-120"/>
               </a:rPr>
-              <a:t>Bernie@alliancefinancing.com</a:t>
+              <a:t>bernie@alliancefinancing.com</a:t>
             </a:r>
             <a:endParaRPr lang="en-US" sz="1100" dirty="0"/>
           </a:p>
@@ -6481,7 +6481,7 @@
                 <a:ea typeface="Calibri" pitchFamily="34" charset="-122"/>
                 <a:cs typeface="Calibri" pitchFamily="34" charset="-120"/>
               </a:rPr>
-              <a:t>alliancefinancing.com</a:t>
+              <a:t>alliancefinancing.ai</a:t>
             </a:r>
             <a:endParaRPr lang="en-US" sz="1000" dirty="0"/>
           </a:p>
@@ -6520,7 +6520,7 @@
                 <a:ea typeface="Calibri" pitchFamily="34" charset="-122"/>
                 <a:cs typeface="Calibri" pitchFamily="34" charset="-120"/>
               </a:rPr>
-              <a:t>905-660-3660</a:t>
+              <a:t>1-877-660-3660</a:t>
             </a:r>
             <a:endParaRPr lang="en-US" sz="1000" dirty="0"/>
           </a:p>
